--- a/Project Planning/1_6 UC_Spec_1.0_최종(수정).pptx
+++ b/Project Planning/1_6 UC_Spec_1.0_최종(수정).pptx
@@ -243,7 +243,7 @@
               <a:pPr lvl="0">
                 <a:defRPr lang="ko-KR" altLang="en-US"/>
               </a:pPr>
-              <a:t>2019-10-24</a:t>
+              <a:t>2019-10-25</a:t>
             </a:fld>
             <a:endParaRPr lang="ko-KR" altLang="en-US"/>
           </a:p>
@@ -4927,7 +4927,6 @@
               <a:rPr lang="ko-KR" altLang="en-US" sz="2400" dirty="0"/>
               <a:t>식재료 관리</a:t>
             </a:r>
-            <a:endParaRPr lang="ko-KR" altLang="en-US" sz="2400" dirty="0"/>
           </a:p>
         </p:txBody>
       </p:sp>
@@ -5054,11 +5053,7 @@
             </a:r>
             <a:r>
               <a:rPr lang="ko-KR" altLang="en-US" sz="2400" dirty="0" smtClean="0"/>
-              <a:t>식단 </a:t>
-            </a:r>
-            <a:r>
-              <a:rPr lang="ko-KR" altLang="en-US" sz="2400" dirty="0" smtClean="0"/>
-              <a:t>추천 조회</a:t>
+              <a:t>식단 추천 조회</a:t>
             </a:r>
             <a:endParaRPr lang="ko-KR" altLang="en-US" dirty="0"/>
           </a:p>
@@ -6224,15 +6219,7 @@
                             <a:schemeClr val="tx1"/>
                           </a:solidFill>
                         </a:rPr>
-                        <a:t> </a:t>
-                      </a:r>
-                      <a:r>
-                        <a:rPr lang="ko-KR" altLang="en-US" sz="1100" b="0" kern="100" dirty="0" smtClean="0">
-                          <a:solidFill>
-                            <a:schemeClr val="tx1"/>
-                          </a:solidFill>
-                        </a:rPr>
-                        <a:t>리스트</a:t>
+                        <a:t> 리스트</a:t>
                       </a:r>
                       <a:r>
                         <a:rPr lang="en-US" altLang="ko-KR" sz="1100" b="0" kern="100" dirty="0" smtClean="0">
@@ -7169,7 +7156,7 @@
     <mc:Choice Requires="p14">
       <p:transition/>
     </mc:Choice>
-    <mc:Fallback xmlns="" xmlns:c="http://schemas.openxmlformats.org/drawingml/2006/chart" xmlns:dgm="http://schemas.openxmlformats.org/drawingml/2006/diagram" xmlns:dsp="http://schemas.microsoft.com/office/drawing/2008/diagram">
+    <mc:Fallback xmlns:dsp="http://schemas.microsoft.com/office/drawing/2008/diagram" xmlns:dgm="http://schemas.openxmlformats.org/drawingml/2006/diagram" xmlns:c="http://schemas.openxmlformats.org/drawingml/2006/chart" xmlns="">
       <p:transition/>
     </mc:Fallback>
   </mc:AlternateContent>
@@ -8113,7 +8100,7 @@
     <mc:Choice Requires="p14">
       <p:transition/>
     </mc:Choice>
-    <mc:Fallback xmlns="" xmlns:c="http://schemas.openxmlformats.org/drawingml/2006/chart" xmlns:dgm="http://schemas.openxmlformats.org/drawingml/2006/diagram" xmlns:dsp="http://schemas.microsoft.com/office/drawing/2008/diagram">
+    <mc:Fallback xmlns:dsp="http://schemas.microsoft.com/office/drawing/2008/diagram" xmlns:dgm="http://schemas.openxmlformats.org/drawingml/2006/diagram" xmlns:c="http://schemas.openxmlformats.org/drawingml/2006/chart" xmlns="">
       <p:transition/>
     </mc:Fallback>
   </mc:AlternateContent>
@@ -8670,7 +8657,7 @@
     <mc:Choice Requires="p14">
       <p:transition/>
     </mc:Choice>
-    <mc:Fallback xmlns="" xmlns:c="http://schemas.openxmlformats.org/drawingml/2006/chart" xmlns:dgm="http://schemas.openxmlformats.org/drawingml/2006/diagram" xmlns:dsp="http://schemas.microsoft.com/office/drawing/2008/diagram">
+    <mc:Fallback xmlns:dsp="http://schemas.microsoft.com/office/drawing/2008/diagram" xmlns:dgm="http://schemas.openxmlformats.org/drawingml/2006/diagram" xmlns:c="http://schemas.openxmlformats.org/drawingml/2006/chart" xmlns="">
       <p:transition/>
     </mc:Fallback>
   </mc:AlternateContent>
@@ -9518,7 +9505,7 @@
     <mc:Choice Requires="p14">
       <p:transition/>
     </mc:Choice>
-    <mc:Fallback xmlns="" xmlns:c="http://schemas.openxmlformats.org/drawingml/2006/chart" xmlns:dgm="http://schemas.openxmlformats.org/drawingml/2006/diagram" xmlns:dsp="http://schemas.microsoft.com/office/drawing/2008/diagram">
+    <mc:Fallback xmlns:dsp="http://schemas.microsoft.com/office/drawing/2008/diagram" xmlns:dgm="http://schemas.openxmlformats.org/drawingml/2006/diagram" xmlns:c="http://schemas.openxmlformats.org/drawingml/2006/chart" xmlns="">
       <p:transition/>
     </mc:Fallback>
   </mc:AlternateContent>
@@ -9906,15 +9893,7 @@
                             <a:schemeClr val="tx1"/>
                           </a:solidFill>
                         </a:rPr>
-                        <a:t>이용자 구글 캘린더와의 </a:t>
-                      </a:r>
-                      <a:r>
-                        <a:rPr lang="ko-KR" altLang="en-US" sz="1100" b="1" kern="100" baseline="0" dirty="0" smtClean="0">
-                          <a:solidFill>
-                            <a:schemeClr val="tx1"/>
-                          </a:solidFill>
-                        </a:rPr>
-                        <a:t>연동</a:t>
+                        <a:t>이용자 구글 캘린더와의 연동</a:t>
                       </a:r>
                       <a:endParaRPr lang="en-US" altLang="ko-KR" sz="1100" b="1" kern="100" baseline="0" dirty="0" smtClean="0">
                         <a:solidFill>
@@ -9955,15 +9934,7 @@
                             <a:schemeClr val="tx1"/>
                           </a:solidFill>
                         </a:rPr>
-                        <a:t>이용자 구글 </a:t>
-                      </a:r>
-                      <a:r>
-                        <a:rPr lang="ko-KR" altLang="en-US" sz="1100" b="0" kern="100" baseline="0" dirty="0" smtClean="0">
-                          <a:solidFill>
-                            <a:schemeClr val="tx1"/>
-                          </a:solidFill>
-                        </a:rPr>
-                        <a:t>캘린더와의 연동을 통해서 외부 일정이 있는 식사에는 임의의 </a:t>
+                        <a:t>이용자 구글 캘린더와의 연동을 통해서 외부 일정이 있는 식사에는 임의의 </a:t>
                       </a:r>
                       <a:r>
                         <a:rPr lang="en-US" altLang="ko-KR" sz="1100" b="0" kern="100" baseline="0" dirty="0" smtClean="0">
@@ -10609,7 +10580,7 @@
     <mc:Choice Requires="p14">
       <p:transition/>
     </mc:Choice>
-    <mc:Fallback xmlns="" xmlns:c="http://schemas.openxmlformats.org/drawingml/2006/chart" xmlns:dgm="http://schemas.openxmlformats.org/drawingml/2006/diagram" xmlns:dsp="http://schemas.microsoft.com/office/drawing/2008/diagram">
+    <mc:Fallback xmlns:dsp="http://schemas.microsoft.com/office/drawing/2008/diagram" xmlns:dgm="http://schemas.openxmlformats.org/drawingml/2006/diagram" xmlns:c="http://schemas.openxmlformats.org/drawingml/2006/chart" xmlns="">
       <p:transition/>
     </mc:Fallback>
   </mc:AlternateContent>
@@ -10666,7 +10637,6 @@
               <a:rPr lang="ko-KR" altLang="en-US" sz="2400" dirty="0"/>
               <a:t>식단 추천 조회</a:t>
             </a:r>
-            <a:endParaRPr lang="ko-KR" altLang="en-US" sz="2400" dirty="0"/>
           </a:p>
         </p:txBody>
       </p:sp>
@@ -11679,7 +11649,7 @@
     <mc:Choice Requires="p14">
       <p:transition/>
     </mc:Choice>
-    <mc:Fallback xmlns="" xmlns:c="http://schemas.openxmlformats.org/drawingml/2006/chart" xmlns:dgm="http://schemas.openxmlformats.org/drawingml/2006/diagram" xmlns:dsp="http://schemas.microsoft.com/office/drawing/2008/diagram">
+    <mc:Fallback xmlns:dsp="http://schemas.microsoft.com/office/drawing/2008/diagram" xmlns:dgm="http://schemas.openxmlformats.org/drawingml/2006/diagram" xmlns:c="http://schemas.openxmlformats.org/drawingml/2006/chart" xmlns="">
       <p:transition/>
     </mc:Fallback>
   </mc:AlternateContent>
@@ -11736,7 +11706,6 @@
               <a:rPr lang="ko-KR" altLang="en-US" sz="2400" dirty="0"/>
               <a:t>식단 추천 조회</a:t>
             </a:r>
-            <a:endParaRPr lang="ko-KR" altLang="en-US" sz="2400" dirty="0"/>
           </a:p>
         </p:txBody>
       </p:sp>
@@ -12094,7 +12063,7 @@
     <mc:Choice Requires="p14">
       <p:transition/>
     </mc:Choice>
-    <mc:Fallback xmlns="" xmlns:c="http://schemas.openxmlformats.org/drawingml/2006/chart" xmlns:dgm="http://schemas.openxmlformats.org/drawingml/2006/diagram" xmlns:dsp="http://schemas.microsoft.com/office/drawing/2008/diagram">
+    <mc:Fallback xmlns:dsp="http://schemas.microsoft.com/office/drawing/2008/diagram" xmlns:dgm="http://schemas.openxmlformats.org/drawingml/2006/diagram" xmlns:c="http://schemas.openxmlformats.org/drawingml/2006/chart" xmlns="">
       <p:transition/>
     </mc:Fallback>
   </mc:AlternateContent>
@@ -12151,7 +12120,6 @@
               <a:rPr lang="ko-KR" altLang="en-US" sz="2400" dirty="0"/>
               <a:t>식단 추천 조회</a:t>
             </a:r>
-            <a:endParaRPr lang="ko-KR" altLang="en-US" sz="2400" dirty="0"/>
           </a:p>
         </p:txBody>
       </p:sp>
@@ -12509,7 +12477,7 @@
     <mc:Choice Requires="p14">
       <p:transition/>
     </mc:Choice>
-    <mc:Fallback xmlns="" xmlns:c="http://schemas.openxmlformats.org/drawingml/2006/chart" xmlns:dgm="http://schemas.openxmlformats.org/drawingml/2006/diagram" xmlns:dsp="http://schemas.microsoft.com/office/drawing/2008/diagram">
+    <mc:Fallback xmlns:dsp="http://schemas.microsoft.com/office/drawing/2008/diagram" xmlns:dgm="http://schemas.openxmlformats.org/drawingml/2006/diagram" xmlns:c="http://schemas.openxmlformats.org/drawingml/2006/chart" xmlns="">
       <p:transition/>
     </mc:Fallback>
   </mc:AlternateContent>
@@ -12689,7 +12657,6 @@
               <a:rPr lang="ko-KR" altLang="en-US" sz="2400" dirty="0"/>
               <a:t>식단 추천 조회</a:t>
             </a:r>
-            <a:endParaRPr lang="ko-KR" altLang="en-US" sz="2400" dirty="0"/>
           </a:p>
         </p:txBody>
       </p:sp>
@@ -13047,7 +13014,7 @@
     <mc:Choice Requires="p14">
       <p:transition/>
     </mc:Choice>
-    <mc:Fallback xmlns="" xmlns:c="http://schemas.openxmlformats.org/drawingml/2006/chart" xmlns:dgm="http://schemas.openxmlformats.org/drawingml/2006/diagram" xmlns:dsp="http://schemas.microsoft.com/office/drawing/2008/diagram">
+    <mc:Fallback xmlns:dsp="http://schemas.microsoft.com/office/drawing/2008/diagram" xmlns:dgm="http://schemas.openxmlformats.org/drawingml/2006/diagram" xmlns:c="http://schemas.openxmlformats.org/drawingml/2006/chart" xmlns="">
       <p:transition/>
     </mc:Fallback>
   </mc:AlternateContent>
@@ -14811,19 +14778,7 @@
                           <a:ea typeface="+mn-ea"/>
                           <a:cs typeface="+mn-cs"/>
                         </a:rPr>
-                        <a:t>메모 </a:t>
-                      </a:r>
-                      <a:r>
-                        <a:rPr lang="ko-KR" altLang="en-US" sz="1100" b="0" kern="100" baseline="0" dirty="0" smtClean="0">
-                          <a:solidFill>
-                            <a:schemeClr val="tx1"/>
-                          </a:solidFill>
-                          <a:effectLst/>
-                          <a:latin typeface="+mn-lt"/>
-                          <a:ea typeface="+mn-ea"/>
-                          <a:cs typeface="+mn-cs"/>
-                        </a:rPr>
-                        <a:t>리스트에 </a:t>
+                        <a:t>메모 리스트에 </a:t>
                       </a:r>
                       <a:r>
                         <a:rPr lang="ko-KR" altLang="en-US" sz="1100" b="0" kern="100" baseline="0" dirty="0">
@@ -18542,7 +18497,7 @@
     <mc:Choice Requires="p14">
       <p:transition/>
     </mc:Choice>
-    <mc:Fallback xmlns="" xmlns:c="http://schemas.openxmlformats.org/drawingml/2006/chart" xmlns:dgm="http://schemas.openxmlformats.org/drawingml/2006/diagram" xmlns:dsp="http://schemas.microsoft.com/office/drawing/2008/diagram">
+    <mc:Fallback xmlns:dsp="http://schemas.microsoft.com/office/drawing/2008/diagram" xmlns:dgm="http://schemas.openxmlformats.org/drawingml/2006/diagram" xmlns:c="http://schemas.openxmlformats.org/drawingml/2006/chart" xmlns="">
       <p:transition/>
     </mc:Fallback>
   </mc:AlternateContent>
@@ -20245,7 +20200,7 @@
     <mc:Choice Requires="p14">
       <p:transition/>
     </mc:Choice>
-    <mc:Fallback xmlns="" xmlns:c="http://schemas.openxmlformats.org/drawingml/2006/chart" xmlns:dgm="http://schemas.openxmlformats.org/drawingml/2006/diagram" xmlns:dsp="http://schemas.microsoft.com/office/drawing/2008/diagram">
+    <mc:Fallback xmlns:dsp="http://schemas.microsoft.com/office/drawing/2008/diagram" xmlns:dgm="http://schemas.openxmlformats.org/drawingml/2006/diagram" xmlns:c="http://schemas.openxmlformats.org/drawingml/2006/chart" xmlns="">
       <p:transition/>
     </mc:Fallback>
   </mc:AlternateContent>
@@ -21917,7 +21872,6 @@
               <a:rPr lang="ko-KR" altLang="en-US" sz="2400" dirty="0"/>
               <a:t>장보기 메모</a:t>
             </a:r>
-            <a:endParaRPr lang="ko-KR" altLang="en-US" sz="2400" dirty="0"/>
           </a:p>
         </p:txBody>
       </p:sp>
@@ -22717,11 +22671,7 @@
               </a:r>
               <a:r>
                 <a:rPr lang="ko-KR" altLang="en-US" sz="1100" dirty="0" smtClean="0"/>
-                <a:t> 리스트</a:t>
-              </a:r>
-              <a:r>
-                <a:rPr lang="ko-KR" altLang="en-US" sz="1100" dirty="0" smtClean="0"/>
-                <a:t>에서 </a:t>
+                <a:t> 리스트에서 </a:t>
               </a:r>
               <a:r>
                 <a:rPr lang="ko-KR" altLang="en-US" sz="1100" dirty="0"/>
@@ -23436,11 +23386,7 @@
             </a:r>
             <a:r>
               <a:rPr lang="ko-KR" altLang="en-US" sz="2400" dirty="0" smtClean="0"/>
-              <a:t>식재료 </a:t>
-            </a:r>
-            <a:r>
-              <a:rPr lang="ko-KR" altLang="en-US" sz="2400" dirty="0" smtClean="0"/>
-              <a:t>관리</a:t>
+              <a:t>식재료 관리</a:t>
             </a:r>
             <a:endParaRPr lang="ko-KR" altLang="en-US" sz="2400" dirty="0"/>
           </a:p>
@@ -23491,7 +23437,7 @@
         </p:nvGraphicFramePr>
         <p:xfrm>
           <a:off x="337752" y="935716"/>
-          <a:ext cx="8402594" cy="5325744"/>
+          <a:ext cx="8402594" cy="5372533"/>
         </p:xfrm>
         <a:graphic>
           <a:graphicData uri="http://schemas.openxmlformats.org/drawingml/2006/table">
@@ -26777,31 +26723,7 @@
                           <a:ea typeface="+mn-ea"/>
                           <a:cs typeface="+mn-cs"/>
                         </a:rPr>
-                        <a:t>등록하고자 하는 식재료가 </a:t>
-                      </a:r>
-                      <a:r>
-                        <a:rPr lang="ko-KR" altLang="en-US" sz="1100" b="0" kern="100" baseline="0" dirty="0" smtClean="0">
-                          <a:solidFill>
-                            <a:schemeClr val="tx1"/>
-                          </a:solidFill>
-                          <a:effectLst/>
-                          <a:latin typeface="+mn-lt"/>
-                          <a:ea typeface="+mn-ea"/>
-                          <a:cs typeface="+mn-cs"/>
-                        </a:rPr>
-                        <a:t>식재료 리스트에 </a:t>
-                      </a:r>
-                      <a:r>
-                        <a:rPr lang="ko-KR" altLang="en-US" sz="1100" b="0" kern="100" baseline="0" dirty="0" smtClean="0">
-                          <a:solidFill>
-                            <a:schemeClr val="tx1"/>
-                          </a:solidFill>
-                          <a:effectLst/>
-                          <a:latin typeface="+mn-lt"/>
-                          <a:ea typeface="+mn-ea"/>
-                          <a:cs typeface="+mn-cs"/>
-                        </a:rPr>
-                        <a:t>없어서</a:t>
+                        <a:t>등록하고자 하는 식재료가 식재료 리스트에 없어서</a:t>
                       </a:r>
                       <a:r>
                         <a:rPr lang="en-US" altLang="ko-KR" sz="1100" b="0" kern="100" baseline="0" dirty="0" smtClean="0">
@@ -27224,19 +27146,7 @@
                         <a:rPr lang="ko-KR" altLang="en-US" sz="1100" b="0" kern="100" baseline="0" dirty="0" smtClean="0">
                           <a:effectLst/>
                         </a:rPr>
-                        <a:t>식재료  </a:t>
-                      </a:r>
-                      <a:r>
-                        <a:rPr lang="ko-KR" altLang="en-US" sz="1100" b="0" kern="100" baseline="0" dirty="0" smtClean="0">
-                          <a:effectLst/>
-                        </a:rPr>
-                        <a:t>리스트에 </a:t>
-                      </a:r>
-                      <a:r>
-                        <a:rPr lang="ko-KR" altLang="en-US" sz="1100" b="0" kern="100" baseline="0" dirty="0" smtClean="0">
-                          <a:effectLst/>
-                        </a:rPr>
-                        <a:t>저장된 해당 식재료의 권장 유통기한을 불러와서 함께 알려준다</a:t>
+                        <a:t>식재료  리스트에 저장된 해당 식재료의 권장 유통기한을 불러와서 함께 알려준다</a:t>
                       </a:r>
                       <a:r>
                         <a:rPr lang="en-US" altLang="ko-KR" sz="1100" b="0" kern="100" baseline="0" dirty="0" smtClean="0">
@@ -27283,19 +27193,7 @@
                         <a:rPr lang="ko-KR" altLang="en-US" sz="1100" b="0" kern="100" baseline="0" dirty="0" smtClean="0">
                           <a:effectLst/>
                         </a:rPr>
-                        <a:t>식재료 </a:t>
-                      </a:r>
-                      <a:r>
-                        <a:rPr lang="ko-KR" altLang="en-US" sz="1100" b="0" kern="100" baseline="0" dirty="0" smtClean="0">
-                          <a:effectLst/>
-                        </a:rPr>
-                        <a:t>리스트에 </a:t>
-                      </a:r>
-                      <a:r>
-                        <a:rPr lang="ko-KR" altLang="en-US" sz="1100" b="0" kern="100" baseline="0" dirty="0" smtClean="0">
-                          <a:effectLst/>
-                        </a:rPr>
-                        <a:t>있는 식재료를 선택했을 경우</a:t>
+                        <a:t>식재료 리스트에 있는 식재료를 선택했을 경우</a:t>
                       </a:r>
                       <a:r>
                         <a:rPr lang="en-US" altLang="ko-KR" sz="1100" b="0" kern="100" baseline="0" dirty="0" smtClean="0">
@@ -27847,7 +27745,6 @@
               <a:rPr lang="ko-KR" altLang="en-US" sz="2400" dirty="0"/>
               <a:t>식재료 관리</a:t>
             </a:r>
-            <a:endParaRPr lang="ko-KR" altLang="en-US" sz="2400" dirty="0"/>
           </a:p>
         </p:txBody>
       </p:sp>
@@ -29253,31 +29150,7 @@
                           <a:ea typeface="+mn-ea"/>
                           <a:cs typeface="+mn-cs"/>
                         </a:rPr>
-                        <a:t>문제가 없다면 장보기 메모 </a:t>
-                      </a:r>
-                      <a:r>
-                        <a:rPr lang="ko-KR" altLang="en-US" sz="1100" b="0" kern="100" baseline="0" dirty="0" smtClean="0">
-                          <a:solidFill>
-                            <a:schemeClr val="tx1"/>
-                          </a:solidFill>
-                          <a:effectLst/>
-                          <a:latin typeface="+mn-lt"/>
-                          <a:ea typeface="+mn-ea"/>
-                          <a:cs typeface="+mn-cs"/>
-                        </a:rPr>
-                        <a:t>리스트에 </a:t>
-                      </a:r>
-                      <a:r>
-                        <a:rPr lang="ko-KR" altLang="en-US" sz="1100" b="0" kern="100" baseline="0" dirty="0" smtClean="0">
-                          <a:solidFill>
-                            <a:schemeClr val="tx1"/>
-                          </a:solidFill>
-                          <a:effectLst/>
-                          <a:latin typeface="+mn-lt"/>
-                          <a:ea typeface="+mn-ea"/>
-                          <a:cs typeface="+mn-cs"/>
-                        </a:rPr>
-                        <a:t>해당 식재료를 추가한 후  </a:t>
+                        <a:t>문제가 없다면 장보기 메모 리스트에 해당 식재료를 추가한 후  </a:t>
                       </a:r>
                       <a:r>
                         <a:rPr lang="en-US" altLang="ko-KR" sz="1100" b="0" kern="100" baseline="0" dirty="0" smtClean="0">
@@ -29488,7 +29361,6 @@
               <a:rPr lang="ko-KR" altLang="en-US" sz="2400" dirty="0"/>
               <a:t>식재료 관리</a:t>
             </a:r>
-            <a:endParaRPr lang="ko-KR" altLang="en-US" sz="2400" dirty="0"/>
           </a:p>
         </p:txBody>
       </p:sp>
@@ -31453,7 +31325,6 @@
               <a:rPr lang="ko-KR" altLang="en-US" sz="2400" dirty="0"/>
               <a:t>식재료 관리</a:t>
             </a:r>
-            <a:endParaRPr lang="ko-KR" altLang="en-US" sz="2400" dirty="0"/>
           </a:p>
         </p:txBody>
       </p:sp>
@@ -31539,7 +31410,7 @@
         </p:nvGraphicFramePr>
         <p:xfrm>
           <a:off x="251520" y="876665"/>
-          <a:ext cx="8142837" cy="5965063"/>
+          <a:ext cx="8142837" cy="5976366"/>
         </p:xfrm>
         <a:graphic>
           <a:graphicData uri="http://schemas.openxmlformats.org/drawingml/2006/table">
@@ -31883,16 +31754,7 @@
                           </a:solidFill>
                           <a:effectLst/>
                         </a:rPr>
-                        <a:t>앱에 저장되어 있지 않은 식재료 </a:t>
-                      </a:r>
-                      <a:r>
-                        <a:rPr lang="ko-KR" altLang="en-US" sz="1100" b="0" kern="100" dirty="0" smtClean="0">
-                          <a:solidFill>
-                            <a:schemeClr val="tx1"/>
-                          </a:solidFill>
-                          <a:effectLst/>
-                        </a:rPr>
-                        <a:t>조회로 인한 검색 실패</a:t>
+                        <a:t>앱에 저장되어 있지 않은 식재료 조회로 인한 검색 실패</a:t>
                       </a:r>
                     </a:p>
                     <a:p>
@@ -33585,7 +33447,6 @@
               <a:rPr lang="ko-KR" altLang="en-US" sz="2400" dirty="0"/>
               <a:t>식재료 관리</a:t>
             </a:r>
-            <a:endParaRPr lang="ko-KR" altLang="en-US" sz="2400" dirty="0"/>
           </a:p>
         </p:txBody>
       </p:sp>
@@ -33679,7 +33540,6 @@
               <a:rPr lang="ko-KR" altLang="en-US" sz="2400" dirty="0"/>
               <a:t>식재료 관리</a:t>
             </a:r>
-            <a:endParaRPr lang="ko-KR" altLang="en-US" sz="2400" dirty="0"/>
           </a:p>
         </p:txBody>
       </p:sp>
@@ -33908,7 +33768,6 @@
               <a:rPr lang="ko-KR" altLang="en-US" sz="2400" dirty="0"/>
               <a:t>식재료 관리</a:t>
             </a:r>
-            <a:endParaRPr lang="ko-KR" altLang="en-US" sz="2400" dirty="0"/>
           </a:p>
         </p:txBody>
       </p:sp>
